--- a/HW1 – Red Wine Neural Network Classification.pptx
+++ b/HW1 – Red Wine Neural Network Classification.pptx
@@ -156,7 +156,15 @@
             </a:pPr>
             <a:r>
               <a:rPr lang="en-US" altLang="zh-CN" sz="1862" b="0" i="0" u="none" strike="noStrike" baseline="0" dirty="0" smtClean="0"/>
-              <a:t>The histograms for the red wine sensory preferences</a:t>
+              <a:t>The </a:t>
+            </a:r>
+            <a:r>
+              <a:rPr lang="en-US" altLang="zh-CN" sz="1862" b="0" i="0" u="none" strike="noStrike" baseline="0" dirty="0" smtClean="0"/>
+              <a:t>histogram </a:t>
+            </a:r>
+            <a:r>
+              <a:rPr lang="en-US" altLang="zh-CN" sz="1862" b="0" i="0" u="none" strike="noStrike" baseline="0" dirty="0" smtClean="0"/>
+              <a:t>for the red wine sensory preferences</a:t>
             </a:r>
             <a:endParaRPr lang="zh-CN" altLang="en-US" dirty="0"/>
           </a:p>
@@ -485,11 +493,11 @@
         </c:dLbls>
         <c:gapWidth val="219"/>
         <c:overlap val="-27"/>
-        <c:axId val="1689405776"/>
-        <c:axId val="1660224032"/>
+        <c:axId val="458102720"/>
+        <c:axId val="458099456"/>
       </c:barChart>
       <c:catAx>
-        <c:axId val="1689405776"/>
+        <c:axId val="458102720"/>
         <c:scaling>
           <c:orientation val="minMax"/>
         </c:scaling>
@@ -596,7 +604,7 @@
             <a:endParaRPr lang="zh-CN"/>
           </a:p>
         </c:txPr>
-        <c:crossAx val="1660224032"/>
+        <c:crossAx val="458099456"/>
         <c:crosses val="autoZero"/>
         <c:auto val="1"/>
         <c:lblAlgn val="ctr"/>
@@ -604,7 +612,7 @@
         <c:noMultiLvlLbl val="0"/>
       </c:catAx>
       <c:valAx>
-        <c:axId val="1660224032"/>
+        <c:axId val="458099456"/>
         <c:scaling>
           <c:orientation val="minMax"/>
         </c:scaling>
@@ -719,7 +727,7 @@
             <a:endParaRPr lang="zh-CN"/>
           </a:p>
         </c:txPr>
-        <c:crossAx val="1689405776"/>
+        <c:crossAx val="458102720"/>
         <c:crosses val="autoZero"/>
         <c:crossBetween val="between"/>
       </c:valAx>
@@ -994,11 +1002,11 @@
         </c:dLbls>
         <c:marker val="1"/>
         <c:smooth val="0"/>
-        <c:axId val="1970305792"/>
-        <c:axId val="1970297632"/>
+        <c:axId val="458101632"/>
+        <c:axId val="208565520"/>
       </c:lineChart>
       <c:catAx>
-        <c:axId val="1970305792"/>
+        <c:axId val="458101632"/>
         <c:scaling>
           <c:orientation val="minMax"/>
         </c:scaling>
@@ -1041,7 +1049,7 @@
             <a:endParaRPr lang="zh-CN"/>
           </a:p>
         </c:txPr>
-        <c:crossAx val="1970297632"/>
+        <c:crossAx val="208565520"/>
         <c:crosses val="autoZero"/>
         <c:auto val="1"/>
         <c:lblAlgn val="ctr"/>
@@ -1049,7 +1057,7 @@
         <c:noMultiLvlLbl val="0"/>
       </c:catAx>
       <c:valAx>
-        <c:axId val="1970297632"/>
+        <c:axId val="208565520"/>
         <c:scaling>
           <c:orientation val="minMax"/>
         </c:scaling>
@@ -1100,7 +1108,7 @@
             <a:endParaRPr lang="zh-CN"/>
           </a:p>
         </c:txPr>
-        <c:crossAx val="1970305792"/>
+        <c:crossAx val="458101632"/>
         <c:crosses val="autoZero"/>
         <c:crossBetween val="between"/>
       </c:valAx>
@@ -1485,11 +1493,11 @@
         </c:dLbls>
         <c:gapWidth val="219"/>
         <c:overlap val="-27"/>
-        <c:axId val="1961440912"/>
-        <c:axId val="1961443632"/>
+        <c:axId val="612901776"/>
+        <c:axId val="612899600"/>
       </c:barChart>
       <c:catAx>
-        <c:axId val="1961440912"/>
+        <c:axId val="612901776"/>
         <c:scaling>
           <c:orientation val="minMax"/>
         </c:scaling>
@@ -1589,7 +1597,7 @@
             <a:endParaRPr lang="zh-CN"/>
           </a:p>
         </c:txPr>
-        <c:crossAx val="1961443632"/>
+        <c:crossAx val="612899600"/>
         <c:crosses val="autoZero"/>
         <c:auto val="1"/>
         <c:lblAlgn val="ctr"/>
@@ -1597,7 +1605,7 @@
         <c:noMultiLvlLbl val="0"/>
       </c:catAx>
       <c:valAx>
-        <c:axId val="1961443632"/>
+        <c:axId val="612899600"/>
         <c:scaling>
           <c:orientation val="minMax"/>
         </c:scaling>
@@ -1705,7 +1713,7 @@
             <a:endParaRPr lang="zh-CN"/>
           </a:p>
         </c:txPr>
-        <c:crossAx val="1961440912"/>
+        <c:crossAx val="612901776"/>
         <c:crosses val="autoZero"/>
         <c:crossBetween val="between"/>
       </c:valAx>
@@ -3908,7 +3916,7 @@
             <a:fld id="{B61BEF0D-F0BB-DE4B-95CE-6DB70DBA9567}" type="datetimeFigureOut">
               <a:rPr lang="en-US" dirty="0"/>
               <a:pPr/>
-              <a:t>6/14/2016</a:t>
+              <a:t>6/15/2016</a:t>
             </a:fld>
             <a:endParaRPr lang="en-US" dirty="0"/>
           </a:p>
@@ -4201,7 +4209,7 @@
             <a:fld id="{B61BEF0D-F0BB-DE4B-95CE-6DB70DBA9567}" type="datetimeFigureOut">
               <a:rPr lang="en-US" dirty="0"/>
               <a:pPr/>
-              <a:t>6/14/2016</a:t>
+              <a:t>6/15/2016</a:t>
             </a:fld>
             <a:endParaRPr lang="en-US" dirty="0"/>
           </a:p>
@@ -4446,7 +4454,7 @@
             <a:fld id="{B61BEF0D-F0BB-DE4B-95CE-6DB70DBA9567}" type="datetimeFigureOut">
               <a:rPr lang="en-US" dirty="0"/>
               <a:pPr/>
-              <a:t>6/14/2016</a:t>
+              <a:t>6/15/2016</a:t>
             </a:fld>
             <a:endParaRPr lang="en-US" dirty="0"/>
           </a:p>
@@ -4983,7 +4991,7 @@
             <a:fld id="{B61BEF0D-F0BB-DE4B-95CE-6DB70DBA9567}" type="datetimeFigureOut">
               <a:rPr lang="en-US" dirty="0"/>
               <a:pPr/>
-              <a:t>6/14/2016</a:t>
+              <a:t>6/15/2016</a:t>
             </a:fld>
             <a:endParaRPr lang="en-US" dirty="0"/>
           </a:p>
@@ -5228,7 +5236,7 @@
             <a:fld id="{B61BEF0D-F0BB-DE4B-95CE-6DB70DBA9567}" type="datetimeFigureOut">
               <a:rPr lang="en-US" dirty="0"/>
               <a:pPr/>
-              <a:t>6/14/2016</a:t>
+              <a:t>6/15/2016</a:t>
             </a:fld>
             <a:endParaRPr lang="en-US" dirty="0"/>
           </a:p>
@@ -5757,7 +5765,7 @@
             <a:fld id="{B61BEF0D-F0BB-DE4B-95CE-6DB70DBA9567}" type="datetimeFigureOut">
               <a:rPr lang="en-US" dirty="0"/>
               <a:pPr/>
-              <a:t>6/14/2016</a:t>
+              <a:t>6/15/2016</a:t>
             </a:fld>
             <a:endParaRPr lang="en-US" dirty="0"/>
           </a:p>
@@ -6051,7 +6059,7 @@
             <a:fld id="{B61BEF0D-F0BB-DE4B-95CE-6DB70DBA9567}" type="datetimeFigureOut">
               <a:rPr lang="en-US" dirty="0"/>
               <a:pPr/>
-              <a:t>6/14/2016</a:t>
+              <a:t>6/15/2016</a:t>
             </a:fld>
             <a:endParaRPr lang="en-US" dirty="0"/>
           </a:p>
@@ -6222,7 +6230,7 @@
             <a:fld id="{B61BEF0D-F0BB-DE4B-95CE-6DB70DBA9567}" type="datetimeFigureOut">
               <a:rPr lang="en-US" dirty="0"/>
               <a:pPr/>
-              <a:t>6/14/2016</a:t>
+              <a:t>6/15/2016</a:t>
             </a:fld>
             <a:endParaRPr lang="en-US" dirty="0"/>
           </a:p>
@@ -6399,7 +6407,7 @@
             <a:fld id="{B61BEF0D-F0BB-DE4B-95CE-6DB70DBA9567}" type="datetimeFigureOut">
               <a:rPr lang="en-US" dirty="0"/>
               <a:pPr/>
-              <a:t>6/14/2016</a:t>
+              <a:t>6/15/2016</a:t>
             </a:fld>
             <a:endParaRPr lang="en-US" dirty="0"/>
           </a:p>
@@ -6566,7 +6574,7 @@
             <a:fld id="{B61BEF0D-F0BB-DE4B-95CE-6DB70DBA9567}" type="datetimeFigureOut">
               <a:rPr lang="en-US" dirty="0"/>
               <a:pPr/>
-              <a:t>6/14/2016</a:t>
+              <a:t>6/15/2016</a:t>
             </a:fld>
             <a:endParaRPr lang="en-US" dirty="0"/>
           </a:p>
@@ -6814,7 +6822,7 @@
             <a:fld id="{B61BEF0D-F0BB-DE4B-95CE-6DB70DBA9567}" type="datetimeFigureOut">
               <a:rPr lang="en-US" dirty="0"/>
               <a:pPr/>
-              <a:t>6/14/2016</a:t>
+              <a:t>6/15/2016</a:t>
             </a:fld>
             <a:endParaRPr lang="en-US" dirty="0"/>
           </a:p>
@@ -7108,7 +7116,7 @@
             <a:fld id="{B61BEF0D-F0BB-DE4B-95CE-6DB70DBA9567}" type="datetimeFigureOut">
               <a:rPr lang="en-US" dirty="0"/>
               <a:pPr/>
-              <a:t>6/14/2016</a:t>
+              <a:t>6/15/2016</a:t>
             </a:fld>
             <a:endParaRPr lang="en-US" dirty="0"/>
           </a:p>
@@ -7547,7 +7555,7 @@
             <a:fld id="{B61BEF0D-F0BB-DE4B-95CE-6DB70DBA9567}" type="datetimeFigureOut">
               <a:rPr lang="en-US" dirty="0"/>
               <a:pPr/>
-              <a:t>6/14/2016</a:t>
+              <a:t>6/15/2016</a:t>
             </a:fld>
             <a:endParaRPr lang="en-US" dirty="0"/>
           </a:p>
@@ -7662,7 +7670,7 @@
             <a:fld id="{B61BEF0D-F0BB-DE4B-95CE-6DB70DBA9567}" type="datetimeFigureOut">
               <a:rPr lang="en-US" dirty="0"/>
               <a:pPr/>
-              <a:t>6/14/2016</a:t>
+              <a:t>6/15/2016</a:t>
             </a:fld>
             <a:endParaRPr lang="en-US" dirty="0"/>
           </a:p>
@@ -7754,7 +7762,7 @@
             <a:fld id="{B61BEF0D-F0BB-DE4B-95CE-6DB70DBA9567}" type="datetimeFigureOut">
               <a:rPr lang="en-US" dirty="0"/>
               <a:pPr/>
-              <a:t>6/14/2016</a:t>
+              <a:t>6/15/2016</a:t>
             </a:fld>
             <a:endParaRPr lang="en-US" dirty="0"/>
           </a:p>
@@ -8034,7 +8042,7 @@
             <a:fld id="{B61BEF0D-F0BB-DE4B-95CE-6DB70DBA9567}" type="datetimeFigureOut">
               <a:rPr lang="en-US" dirty="0"/>
               <a:pPr/>
-              <a:t>6/14/2016</a:t>
+              <a:t>6/15/2016</a:t>
             </a:fld>
             <a:endParaRPr lang="en-US" dirty="0"/>
           </a:p>
@@ -8322,7 +8330,7 @@
             <a:fld id="{B61BEF0D-F0BB-DE4B-95CE-6DB70DBA9567}" type="datetimeFigureOut">
               <a:rPr lang="en-US" dirty="0"/>
               <a:pPr/>
-              <a:t>6/14/2016</a:t>
+              <a:t>6/15/2016</a:t>
             </a:fld>
             <a:endParaRPr lang="en-US" dirty="0"/>
           </a:p>
@@ -8849,7 +8857,7 @@
             <a:fld id="{B61BEF0D-F0BB-DE4B-95CE-6DB70DBA9567}" type="datetimeFigureOut">
               <a:rPr lang="en-US" dirty="0"/>
               <a:pPr/>
-              <a:t>6/14/2016</a:t>
+              <a:t>6/15/2016</a:t>
             </a:fld>
             <a:endParaRPr lang="en-US" dirty="0"/>
           </a:p>
@@ -9500,12 +9508,113 @@
             <p:ph idx="1"/>
           </p:nvPr>
         </p:nvSpPr>
-        <p:spPr/>
+        <p:spPr>
+          <a:xfrm>
+            <a:off x="1484310" y="1143001"/>
+            <a:ext cx="10018713" cy="4648200"/>
+          </a:xfrm>
+        </p:spPr>
         <p:txBody>
-          <a:bodyPr/>
+          <a:bodyPr anchor="t"/>
           <a:lstStyle/>
           <a:p>
-            <a:endParaRPr lang="zh-CN" altLang="en-US"/>
+            <a:r>
+              <a:rPr lang="en-US" altLang="zh-CN" dirty="0" smtClean="0"/>
+              <a:t>Algorithm Analysis</a:t>
+            </a:r>
+          </a:p>
+          <a:p>
+            <a:pPr lvl="1"/>
+            <a:r>
+              <a:rPr lang="en-US" altLang="zh-CN" dirty="0" smtClean="0"/>
+              <a:t>Data </a:t>
+            </a:r>
+            <a:r>
+              <a:rPr lang="en-US" altLang="zh-CN" dirty="0" smtClean="0"/>
+              <a:t>Sampling</a:t>
+            </a:r>
+          </a:p>
+          <a:p>
+            <a:pPr lvl="2"/>
+            <a:r>
+              <a:rPr lang="en-US" altLang="zh-CN" dirty="0" smtClean="0"/>
+              <a:t>Training data distribution is </a:t>
+            </a:r>
+            <a:r>
+              <a:rPr lang="en-US" altLang="zh-CN" dirty="0"/>
+              <a:t>too </a:t>
+            </a:r>
+            <a:r>
+              <a:rPr lang="en-US" altLang="zh-CN" dirty="0" smtClean="0"/>
+              <a:t>cohesive to be generalized</a:t>
+            </a:r>
+          </a:p>
+          <a:p>
+            <a:pPr lvl="2"/>
+            <a:r>
+              <a:rPr lang="en-US" altLang="zh-CN" dirty="0" smtClean="0"/>
+              <a:t>Data set is too small</a:t>
+            </a:r>
+            <a:endParaRPr lang="en-US" altLang="zh-CN" dirty="0"/>
+          </a:p>
+          <a:p>
+            <a:pPr lvl="1"/>
+            <a:r>
+              <a:rPr lang="en-US" altLang="zh-CN" dirty="0" smtClean="0"/>
+              <a:t>Feature Engineering</a:t>
+            </a:r>
+          </a:p>
+          <a:p>
+            <a:pPr lvl="2"/>
+            <a:r>
+              <a:rPr lang="en-US" altLang="zh-CN" dirty="0" smtClean="0"/>
+              <a:t>11 inputs features</a:t>
+            </a:r>
+            <a:r>
+              <a:rPr lang="en-US" altLang="zh-CN" dirty="0"/>
+              <a:t> </a:t>
+            </a:r>
+            <a:r>
+              <a:rPr lang="en-US" altLang="zh-CN" dirty="0" smtClean="0"/>
+              <a:t>are not relatively independence</a:t>
+            </a:r>
+          </a:p>
+          <a:p>
+            <a:pPr lvl="2"/>
+            <a:r>
+              <a:rPr lang="en-US" altLang="zh-CN" dirty="0" smtClean="0"/>
+              <a:t>A complex combination of too many features causes overfitting </a:t>
+            </a:r>
+            <a:endParaRPr lang="en-US" altLang="zh-CN" dirty="0"/>
+          </a:p>
+          <a:p>
+            <a:pPr lvl="1"/>
+            <a:r>
+              <a:rPr lang="en-US" altLang="zh-CN" dirty="0" smtClean="0"/>
+              <a:t>Overfitting</a:t>
+            </a:r>
+            <a:endParaRPr lang="en-US" altLang="zh-CN" dirty="0"/>
+          </a:p>
+          <a:p>
+            <a:pPr lvl="2"/>
+            <a:r>
+              <a:rPr lang="en-US" altLang="zh-CN" dirty="0" smtClean="0"/>
+              <a:t>Neural Network is not a simple model</a:t>
+            </a:r>
+          </a:p>
+          <a:p>
+            <a:pPr lvl="2"/>
+            <a:r>
+              <a:rPr lang="en-US" altLang="zh-CN" dirty="0" smtClean="0"/>
+              <a:t>We cannot observe the learning process within too many inputs, and the outputs may be difficult to explain</a:t>
+            </a:r>
+            <a:endParaRPr lang="en-US" altLang="zh-CN" dirty="0"/>
+          </a:p>
+          <a:p>
+            <a:pPr marL="914400" lvl="2" indent="0">
+              <a:buNone/>
+            </a:pPr>
+            <a:endParaRPr lang="en-US" altLang="zh-CN" dirty="0" smtClean="0"/>
           </a:p>
         </p:txBody>
       </p:sp>
@@ -11017,29 +11126,7 @@
                           <a:ea typeface="+mn-ea"/>
                           <a:cs typeface="+mn-cs"/>
                         </a:rPr>
-                        <a:t>)=</a:t>
-                      </a:r>
-                      <a:r>
-                        <a:rPr lang="en-US" altLang="zh-CN" sz="1800" b="0" i="0" u="none" strike="noStrike" kern="1200" baseline="0" dirty="0" smtClean="0">
-                          <a:solidFill>
-                            <a:schemeClr val="dk1"/>
-                          </a:solidFill>
-                          <a:latin typeface="+mn-lt"/>
-                          <a:ea typeface="+mn-ea"/>
-                          <a:cs typeface="+mn-cs"/>
-                        </a:rPr>
-                        <a:t>dm^3</a:t>
-                      </a:r>
-                      <a:r>
-                        <a:rPr lang="en-US" altLang="zh-CN" sz="1800" b="0" i="0" u="none" strike="noStrike" kern="1200" baseline="0" dirty="0" smtClean="0">
-                          <a:solidFill>
-                            <a:schemeClr val="dk1"/>
-                          </a:solidFill>
-                          <a:latin typeface="+mn-lt"/>
-                          <a:ea typeface="+mn-ea"/>
-                          <a:cs typeface="+mn-cs"/>
-                        </a:rPr>
-                        <a:t>)</a:t>
+                        <a:t>)=dm^3)</a:t>
                       </a:r>
                       <a:endParaRPr lang="zh-CN" altLang="en-US" dirty="0"/>
                     </a:p>
@@ -11286,7 +11373,7 @@
             <p:ph idx="1"/>
             <p:extLst>
               <p:ext uri="{D42A27DB-BD31-4B8C-83A1-F6EECF244321}">
-                <p14:modId xmlns:p14="http://schemas.microsoft.com/office/powerpoint/2010/main" val="2821189019"/>
+                <p14:modId xmlns:p14="http://schemas.microsoft.com/office/powerpoint/2010/main" val="3884358042"/>
               </p:ext>
             </p:extLst>
           </p:nvPr>
@@ -11363,15 +11450,7 @@
             <a:pPr algn="l"/>
             <a:r>
               <a:rPr lang="en-US" altLang="zh-CN" dirty="0" smtClean="0"/>
-              <a:t>Part2 </a:t>
-            </a:r>
-            <a:r>
-              <a:rPr lang="en-US" altLang="zh-CN" dirty="0" smtClean="0"/>
-              <a:t>- </a:t>
-            </a:r>
-            <a:r>
-              <a:rPr lang="en-US" altLang="zh-CN" dirty="0" smtClean="0"/>
-              <a:t>Algorithm</a:t>
+              <a:t>Part2 - Algorithm</a:t>
             </a:r>
             <a:endParaRPr lang="zh-CN" altLang="en-US" dirty="0"/>
           </a:p>
@@ -11624,15 +11703,7 @@
             <a:pPr algn="l"/>
             <a:r>
               <a:rPr lang="en-US" altLang="zh-CN" dirty="0" smtClean="0"/>
-              <a:t>Part2 </a:t>
-            </a:r>
-            <a:r>
-              <a:rPr lang="en-US" altLang="zh-CN" dirty="0" smtClean="0"/>
-              <a:t>- </a:t>
-            </a:r>
-            <a:r>
-              <a:rPr lang="en-US" altLang="zh-CN" dirty="0" smtClean="0"/>
-              <a:t>Algorithm</a:t>
+              <a:t>Part2 - Algorithm</a:t>
             </a:r>
             <a:endParaRPr lang="zh-CN" altLang="en-US" dirty="0"/>
           </a:p>
@@ -11831,15 +11902,7 @@
             <a:pPr algn="l"/>
             <a:r>
               <a:rPr lang="en-US" altLang="zh-CN" dirty="0" smtClean="0"/>
-              <a:t>Part2 </a:t>
-            </a:r>
-            <a:r>
-              <a:rPr lang="en-US" altLang="zh-CN" dirty="0" smtClean="0"/>
-              <a:t>- </a:t>
-            </a:r>
-            <a:r>
-              <a:rPr lang="en-US" altLang="zh-CN" dirty="0" smtClean="0"/>
-              <a:t>Evaluation</a:t>
+              <a:t>Part2 - Evaluation</a:t>
             </a:r>
             <a:endParaRPr lang="zh-CN" altLang="en-US" dirty="0"/>
           </a:p>
@@ -11978,15 +12041,7 @@
             <a:pPr algn="l"/>
             <a:r>
               <a:rPr lang="en-US" altLang="zh-CN" dirty="0" smtClean="0"/>
-              <a:t>Part2 </a:t>
-            </a:r>
-            <a:r>
-              <a:rPr lang="en-US" altLang="zh-CN" dirty="0" smtClean="0"/>
-              <a:t>- </a:t>
-            </a:r>
-            <a:r>
-              <a:rPr lang="en-US" altLang="zh-CN" dirty="0" smtClean="0"/>
-              <a:t>Evaluation</a:t>
+              <a:t>Part2 - Evaluation</a:t>
             </a:r>
             <a:endParaRPr lang="zh-CN" altLang="en-US" dirty="0"/>
           </a:p>
@@ -12114,15 +12169,7 @@
             <a:pPr algn="l"/>
             <a:r>
               <a:rPr lang="en-US" altLang="zh-CN" dirty="0" smtClean="0"/>
-              <a:t>Part3 </a:t>
-            </a:r>
-            <a:r>
-              <a:rPr lang="en-US" altLang="zh-CN" dirty="0" smtClean="0"/>
-              <a:t>- </a:t>
-            </a:r>
-            <a:r>
-              <a:rPr lang="en-US" altLang="zh-CN" dirty="0" smtClean="0"/>
-              <a:t>Conclusions</a:t>
+              <a:t>Part3 - Conclusions</a:t>
             </a:r>
             <a:endParaRPr lang="zh-CN" altLang="en-US" dirty="0"/>
           </a:p>
